--- a/Lectures/py_lec_10.pptx
+++ b/Lectures/py_lec_10.pptx
@@ -4976,16 +4976,6 @@
                 <a:ea typeface="DejaVu Sans"/>
               </a:rPr>
               <a:t>(</a:t>
-            </a:r>
-            <a:r>
-              <a:rPr lang="en-US" sz="1400" b="0" strike="noStrike" spc="-1">
-                <a:solidFill>
-                  <a:srgbClr val="000000"/>
-                </a:solidFill>
-                <a:latin typeface="Courier New"/>
-                <a:ea typeface="DejaVu Sans"/>
-              </a:rPr>
-              <a:t>self</a:t>
             </a:r>
             <a:r>
               <a:rPr lang="en-US" sz="1400" b="1" strike="noStrike" spc="-1">
